--- a/weekly_meeting_1_24_25.pptx
+++ b/weekly_meeting_1_24_25.pptx
@@ -282,7 +282,7 @@
           <a:p>
             <a:fld id="{44EE38C2-C960-49F7-B0E5-64351E9F7568}" type="datetimeFigureOut">
               <a:rPr lang="en-US" smtClean="0"/>
-              <a:t>1/13/2025</a:t>
+              <a:t>1/15/2025</a:t>
             </a:fld>
             <a:endParaRPr lang="en-US"/>
           </a:p>
@@ -480,7 +480,7 @@
           <a:p>
             <a:fld id="{44EE38C2-C960-49F7-B0E5-64351E9F7568}" type="datetimeFigureOut">
               <a:rPr lang="en-US" smtClean="0"/>
-              <a:t>1/13/2025</a:t>
+              <a:t>1/15/2025</a:t>
             </a:fld>
             <a:endParaRPr lang="en-US"/>
           </a:p>
@@ -688,7 +688,7 @@
           <a:p>
             <a:fld id="{44EE38C2-C960-49F7-B0E5-64351E9F7568}" type="datetimeFigureOut">
               <a:rPr lang="en-US" smtClean="0"/>
-              <a:t>1/13/2025</a:t>
+              <a:t>1/15/2025</a:t>
             </a:fld>
             <a:endParaRPr lang="en-US"/>
           </a:p>
@@ -886,7 +886,7 @@
           <a:p>
             <a:fld id="{44EE38C2-C960-49F7-B0E5-64351E9F7568}" type="datetimeFigureOut">
               <a:rPr lang="en-US" smtClean="0"/>
-              <a:t>1/13/2025</a:t>
+              <a:t>1/15/2025</a:t>
             </a:fld>
             <a:endParaRPr lang="en-US"/>
           </a:p>
@@ -1161,7 +1161,7 @@
           <a:p>
             <a:fld id="{44EE38C2-C960-49F7-B0E5-64351E9F7568}" type="datetimeFigureOut">
               <a:rPr lang="en-US" smtClean="0"/>
-              <a:t>1/13/2025</a:t>
+              <a:t>1/15/2025</a:t>
             </a:fld>
             <a:endParaRPr lang="en-US"/>
           </a:p>
@@ -1426,7 +1426,7 @@
           <a:p>
             <a:fld id="{44EE38C2-C960-49F7-B0E5-64351E9F7568}" type="datetimeFigureOut">
               <a:rPr lang="en-US" smtClean="0"/>
-              <a:t>1/13/2025</a:t>
+              <a:t>1/15/2025</a:t>
             </a:fld>
             <a:endParaRPr lang="en-US"/>
           </a:p>
@@ -1838,7 +1838,7 @@
           <a:p>
             <a:fld id="{44EE38C2-C960-49F7-B0E5-64351E9F7568}" type="datetimeFigureOut">
               <a:rPr lang="en-US" smtClean="0"/>
-              <a:t>1/13/2025</a:t>
+              <a:t>1/15/2025</a:t>
             </a:fld>
             <a:endParaRPr lang="en-US"/>
           </a:p>
@@ -1979,7 +1979,7 @@
           <a:p>
             <a:fld id="{44EE38C2-C960-49F7-B0E5-64351E9F7568}" type="datetimeFigureOut">
               <a:rPr lang="en-US" smtClean="0"/>
-              <a:t>1/13/2025</a:t>
+              <a:t>1/15/2025</a:t>
             </a:fld>
             <a:endParaRPr lang="en-US"/>
           </a:p>
@@ -2092,7 +2092,7 @@
           <a:p>
             <a:fld id="{44EE38C2-C960-49F7-B0E5-64351E9F7568}" type="datetimeFigureOut">
               <a:rPr lang="en-US" smtClean="0"/>
-              <a:t>1/13/2025</a:t>
+              <a:t>1/15/2025</a:t>
             </a:fld>
             <a:endParaRPr lang="en-US"/>
           </a:p>
@@ -2403,7 +2403,7 @@
           <a:p>
             <a:fld id="{44EE38C2-C960-49F7-B0E5-64351E9F7568}" type="datetimeFigureOut">
               <a:rPr lang="en-US" smtClean="0"/>
-              <a:t>1/13/2025</a:t>
+              <a:t>1/15/2025</a:t>
             </a:fld>
             <a:endParaRPr lang="en-US"/>
           </a:p>
@@ -2691,7 +2691,7 @@
           <a:p>
             <a:fld id="{44EE38C2-C960-49F7-B0E5-64351E9F7568}" type="datetimeFigureOut">
               <a:rPr lang="en-US" smtClean="0"/>
-              <a:t>1/13/2025</a:t>
+              <a:t>1/15/2025</a:t>
             </a:fld>
             <a:endParaRPr lang="en-US"/>
           </a:p>
@@ -2932,7 +2932,7 @@
           <a:p>
             <a:fld id="{44EE38C2-C960-49F7-B0E5-64351E9F7568}" type="datetimeFigureOut">
               <a:rPr lang="en-US" smtClean="0"/>
-              <a:t>1/13/2025</a:t>
+              <a:t>1/15/2025</a:t>
             </a:fld>
             <a:endParaRPr lang="en-US"/>
           </a:p>
@@ -5517,7 +5517,7 @@
           <p:nvPr>
             <p:extLst>
               <p:ext uri="{D42A27DB-BD31-4B8C-83A1-F6EECF244321}">
-                <p14:modId xmlns:p14="http://schemas.microsoft.com/office/powerpoint/2010/main" val="1511198111"/>
+                <p14:modId xmlns:p14="http://schemas.microsoft.com/office/powerpoint/2010/main" val="1172942271"/>
               </p:ext>
             </p:extLst>
           </p:nvPr>
@@ -5667,7 +5667,7 @@
                       <a:pPr algn="ctr"/>
                       <a:r>
                         <a:rPr lang="en-US" b="1" dirty="0"/>
-                        <a:t>(10 degrees)</a:t>
+                        <a:t>(15 degrees)</a:t>
                       </a:r>
                     </a:p>
                   </a:txBody>
@@ -5720,7 +5720,7 @@
           <p:nvPr>
             <p:extLst>
               <p:ext uri="{D42A27DB-BD31-4B8C-83A1-F6EECF244321}">
-                <p14:modId xmlns:p14="http://schemas.microsoft.com/office/powerpoint/2010/main" val="1738104176"/>
+                <p14:modId xmlns:p14="http://schemas.microsoft.com/office/powerpoint/2010/main" val="293724590"/>
               </p:ext>
             </p:extLst>
           </p:nvPr>
@@ -5883,8 +5883,12 @@
                     <a:p>
                       <a:pPr algn="ctr"/>
                       <a:r>
+                        <a:rPr lang="en-US" b="1"/>
+                        <a:t>(15 </a:t>
+                      </a:r>
+                      <a:r>
                         <a:rPr lang="en-US" b="1" dirty="0"/>
-                        <a:t>(10 degrees)</a:t>
+                        <a:t>degrees)</a:t>
                       </a:r>
                     </a:p>
                   </a:txBody>
